--- a/google-drive/week02/3Wed/1_Week2_SingleRegression.pptx
+++ b/google-drive/week02/3Wed/1_Week2_SingleRegression.pptx
@@ -335,7 +335,7 @@
           <a:p>
             <a:fld id="{F3C7AE39-24BF-9046-BF66-BB2858E2304D}" type="datetimeFigureOut">
               <a:rPr lang="en-US" smtClean="0"/>
-              <a:t>6/19/21</a:t>
+              <a:t>6/25/23</a:t>
             </a:fld>
             <a:endParaRPr lang="en-US"/>
           </a:p>
@@ -657,66 +657,6 @@
           </a:prstGeom>
         </p:spPr>
       </p:pic>
-      <p:pic>
-        <p:nvPicPr>
-          <p:cNvPr id="8" name="Picture 2">
-            <a:extLst>
-              <a:ext uri="{FF2B5EF4-FFF2-40B4-BE49-F238E27FC236}">
-                <a16:creationId xmlns:a16="http://schemas.microsoft.com/office/drawing/2014/main" id="{67D9E3D2-99B2-9D4F-879E-D1D4B4D76D08}"/>
-              </a:ext>
-            </a:extLst>
-          </p:cNvPr>
-          <p:cNvPicPr>
-            <a:picLocks noChangeAspect="1" noChangeArrowheads="1"/>
-          </p:cNvPicPr>
-          <p:nvPr userDrawn="1"/>
-        </p:nvPicPr>
-        <p:blipFill>
-          <a:blip r:embed="rId3">
-            <a:extLst>
-              <a:ext uri="{28A0092B-C50C-407E-A947-70E740481C1C}">
-                <a14:useLocalDpi xmlns:a14="http://schemas.microsoft.com/office/drawing/2010/main" val="0"/>
-              </a:ext>
-            </a:extLst>
-          </a:blip>
-          <a:srcRect/>
-          <a:stretch>
-            <a:fillRect/>
-          </a:stretch>
-        </p:blipFill>
-        <p:spPr bwMode="auto">
-          <a:xfrm>
-            <a:off x="85726" y="6060103"/>
-            <a:ext cx="764091" cy="731957"/>
-          </a:xfrm>
-          <a:prstGeom prst="rect">
-            <a:avLst/>
-          </a:prstGeom>
-          <a:noFill/>
-          <a:ln>
-            <a:noFill/>
-          </a:ln>
-          <a:extLst>
-            <a:ext uri="{909E8E84-426E-40DD-AFC4-6F175D3DCCD1}">
-              <a14:hiddenFill xmlns:a14="http://schemas.microsoft.com/office/drawing/2010/main">
-                <a:solidFill>
-                  <a:schemeClr val="accent1"/>
-                </a:solidFill>
-              </a14:hiddenFill>
-            </a:ext>
-            <a:ext uri="{91240B29-F687-4F45-9708-019B960494DF}">
-              <a14:hiddenLine xmlns:a14="http://schemas.microsoft.com/office/drawing/2010/main" w="9525">
-                <a:solidFill>
-                  <a:schemeClr val="tx1"/>
-                </a:solidFill>
-                <a:miter lim="800000"/>
-                <a:headEnd/>
-                <a:tailEnd/>
-              </a14:hiddenLine>
-            </a:ext>
-          </a:extLst>
-        </p:spPr>
-      </p:pic>
     </p:spTree>
     <p:extLst>
       <p:ext uri="{BB962C8B-B14F-4D97-AF65-F5344CB8AC3E}">
@@ -886,66 +826,6 @@
           </a:p>
         </p:txBody>
       </p:sp>
-      <p:pic>
-        <p:nvPicPr>
-          <p:cNvPr id="7" name="Picture 2">
-            <a:extLst>
-              <a:ext uri="{FF2B5EF4-FFF2-40B4-BE49-F238E27FC236}">
-                <a16:creationId xmlns:a16="http://schemas.microsoft.com/office/drawing/2014/main" id="{A29E8EC7-21FC-E74A-A95A-36823B5C2496}"/>
-              </a:ext>
-            </a:extLst>
-          </p:cNvPr>
-          <p:cNvPicPr>
-            <a:picLocks noChangeAspect="1" noChangeArrowheads="1"/>
-          </p:cNvPicPr>
-          <p:nvPr userDrawn="1"/>
-        </p:nvPicPr>
-        <p:blipFill>
-          <a:blip r:embed="rId2">
-            <a:extLst>
-              <a:ext uri="{28A0092B-C50C-407E-A947-70E740481C1C}">
-                <a14:useLocalDpi xmlns:a14="http://schemas.microsoft.com/office/drawing/2010/main" val="0"/>
-              </a:ext>
-            </a:extLst>
-          </a:blip>
-          <a:srcRect/>
-          <a:stretch>
-            <a:fillRect/>
-          </a:stretch>
-        </p:blipFill>
-        <p:spPr bwMode="auto">
-          <a:xfrm>
-            <a:off x="85726" y="6060103"/>
-            <a:ext cx="764091" cy="731957"/>
-          </a:xfrm>
-          <a:prstGeom prst="rect">
-            <a:avLst/>
-          </a:prstGeom>
-          <a:noFill/>
-          <a:ln>
-            <a:noFill/>
-          </a:ln>
-          <a:extLst>
-            <a:ext uri="{909E8E84-426E-40DD-AFC4-6F175D3DCCD1}">
-              <a14:hiddenFill xmlns:a14="http://schemas.microsoft.com/office/drawing/2010/main">
-                <a:solidFill>
-                  <a:schemeClr val="accent1"/>
-                </a:solidFill>
-              </a14:hiddenFill>
-            </a:ext>
-            <a:ext uri="{91240B29-F687-4F45-9708-019B960494DF}">
-              <a14:hiddenLine xmlns:a14="http://schemas.microsoft.com/office/drawing/2010/main" w="9525">
-                <a:solidFill>
-                  <a:schemeClr val="tx1"/>
-                </a:solidFill>
-                <a:miter lim="800000"/>
-                <a:headEnd/>
-                <a:tailEnd/>
-              </a14:hiddenLine>
-            </a:ext>
-          </a:extLst>
-        </p:spPr>
-      </p:pic>
     </p:spTree>
     <p:extLst>
       <p:ext uri="{BB962C8B-B14F-4D97-AF65-F5344CB8AC3E}">
@@ -1182,66 +1062,6 @@
           </a:p>
         </p:txBody>
       </p:sp>
-      <p:pic>
-        <p:nvPicPr>
-          <p:cNvPr id="8" name="Picture 2">
-            <a:extLst>
-              <a:ext uri="{FF2B5EF4-FFF2-40B4-BE49-F238E27FC236}">
-                <a16:creationId xmlns:a16="http://schemas.microsoft.com/office/drawing/2014/main" id="{184E9D19-E0B8-0947-BB64-E1C282226663}"/>
-              </a:ext>
-            </a:extLst>
-          </p:cNvPr>
-          <p:cNvPicPr>
-            <a:picLocks noChangeAspect="1" noChangeArrowheads="1"/>
-          </p:cNvPicPr>
-          <p:nvPr userDrawn="1"/>
-        </p:nvPicPr>
-        <p:blipFill>
-          <a:blip r:embed="rId2">
-            <a:extLst>
-              <a:ext uri="{28A0092B-C50C-407E-A947-70E740481C1C}">
-                <a14:useLocalDpi xmlns:a14="http://schemas.microsoft.com/office/drawing/2010/main" val="0"/>
-              </a:ext>
-            </a:extLst>
-          </a:blip>
-          <a:srcRect/>
-          <a:stretch>
-            <a:fillRect/>
-          </a:stretch>
-        </p:blipFill>
-        <p:spPr bwMode="auto">
-          <a:xfrm>
-            <a:off x="85726" y="6060103"/>
-            <a:ext cx="764091" cy="731957"/>
-          </a:xfrm>
-          <a:prstGeom prst="rect">
-            <a:avLst/>
-          </a:prstGeom>
-          <a:noFill/>
-          <a:ln>
-            <a:noFill/>
-          </a:ln>
-          <a:extLst>
-            <a:ext uri="{909E8E84-426E-40DD-AFC4-6F175D3DCCD1}">
-              <a14:hiddenFill xmlns:a14="http://schemas.microsoft.com/office/drawing/2010/main">
-                <a:solidFill>
-                  <a:schemeClr val="accent1"/>
-                </a:solidFill>
-              </a14:hiddenFill>
-            </a:ext>
-            <a:ext uri="{91240B29-F687-4F45-9708-019B960494DF}">
-              <a14:hiddenLine xmlns:a14="http://schemas.microsoft.com/office/drawing/2010/main" w="9525">
-                <a:solidFill>
-                  <a:schemeClr val="tx1"/>
-                </a:solidFill>
-                <a:miter lim="800000"/>
-                <a:headEnd/>
-                <a:tailEnd/>
-              </a14:hiddenLine>
-            </a:ext>
-          </a:extLst>
-        </p:spPr>
-      </p:pic>
     </p:spTree>
     <p:extLst>
       <p:ext uri="{BB962C8B-B14F-4D97-AF65-F5344CB8AC3E}">
@@ -1354,66 +1174,6 @@
           </a:p>
         </p:txBody>
       </p:sp>
-      <p:pic>
-        <p:nvPicPr>
-          <p:cNvPr id="6" name="Picture 2">
-            <a:extLst>
-              <a:ext uri="{FF2B5EF4-FFF2-40B4-BE49-F238E27FC236}">
-                <a16:creationId xmlns:a16="http://schemas.microsoft.com/office/drawing/2014/main" id="{4B2F1C79-AAE1-8546-A8CF-AF386EBA459C}"/>
-              </a:ext>
-            </a:extLst>
-          </p:cNvPr>
-          <p:cNvPicPr>
-            <a:picLocks noChangeAspect="1" noChangeArrowheads="1"/>
-          </p:cNvPicPr>
-          <p:nvPr userDrawn="1"/>
-        </p:nvPicPr>
-        <p:blipFill>
-          <a:blip r:embed="rId2">
-            <a:extLst>
-              <a:ext uri="{28A0092B-C50C-407E-A947-70E740481C1C}">
-                <a14:useLocalDpi xmlns:a14="http://schemas.microsoft.com/office/drawing/2010/main" val="0"/>
-              </a:ext>
-            </a:extLst>
-          </a:blip>
-          <a:srcRect/>
-          <a:stretch>
-            <a:fillRect/>
-          </a:stretch>
-        </p:blipFill>
-        <p:spPr bwMode="auto">
-          <a:xfrm>
-            <a:off x="85726" y="6060103"/>
-            <a:ext cx="764091" cy="731957"/>
-          </a:xfrm>
-          <a:prstGeom prst="rect">
-            <a:avLst/>
-          </a:prstGeom>
-          <a:noFill/>
-          <a:ln>
-            <a:noFill/>
-          </a:ln>
-          <a:extLst>
-            <a:ext uri="{909E8E84-426E-40DD-AFC4-6F175D3DCCD1}">
-              <a14:hiddenFill xmlns:a14="http://schemas.microsoft.com/office/drawing/2010/main">
-                <a:solidFill>
-                  <a:schemeClr val="accent1"/>
-                </a:solidFill>
-              </a14:hiddenFill>
-            </a:ext>
-            <a:ext uri="{91240B29-F687-4F45-9708-019B960494DF}">
-              <a14:hiddenLine xmlns:a14="http://schemas.microsoft.com/office/drawing/2010/main" w="9525">
-                <a:solidFill>
-                  <a:schemeClr val="tx1"/>
-                </a:solidFill>
-                <a:miter lim="800000"/>
-                <a:headEnd/>
-                <a:tailEnd/>
-              </a14:hiddenLine>
-            </a:ext>
-          </a:extLst>
-        </p:spPr>
-      </p:pic>
     </p:spTree>
     <p:extLst>
       <p:ext uri="{BB962C8B-B14F-4D97-AF65-F5344CB8AC3E}">
@@ -1498,66 +1258,6 @@
           </a:p>
         </p:txBody>
       </p:sp>
-      <p:pic>
-        <p:nvPicPr>
-          <p:cNvPr id="5" name="Picture 2">
-            <a:extLst>
-              <a:ext uri="{FF2B5EF4-FFF2-40B4-BE49-F238E27FC236}">
-                <a16:creationId xmlns:a16="http://schemas.microsoft.com/office/drawing/2014/main" id="{79D4C0F1-72B1-D84D-97A7-B095096D03A6}"/>
-              </a:ext>
-            </a:extLst>
-          </p:cNvPr>
-          <p:cNvPicPr>
-            <a:picLocks noChangeAspect="1" noChangeArrowheads="1"/>
-          </p:cNvPicPr>
-          <p:nvPr userDrawn="1"/>
-        </p:nvPicPr>
-        <p:blipFill>
-          <a:blip r:embed="rId2">
-            <a:extLst>
-              <a:ext uri="{28A0092B-C50C-407E-A947-70E740481C1C}">
-                <a14:useLocalDpi xmlns:a14="http://schemas.microsoft.com/office/drawing/2010/main" val="0"/>
-              </a:ext>
-            </a:extLst>
-          </a:blip>
-          <a:srcRect/>
-          <a:stretch>
-            <a:fillRect/>
-          </a:stretch>
-        </p:blipFill>
-        <p:spPr bwMode="auto">
-          <a:xfrm>
-            <a:off x="85726" y="6060103"/>
-            <a:ext cx="764091" cy="731957"/>
-          </a:xfrm>
-          <a:prstGeom prst="rect">
-            <a:avLst/>
-          </a:prstGeom>
-          <a:noFill/>
-          <a:ln>
-            <a:noFill/>
-          </a:ln>
-          <a:extLst>
-            <a:ext uri="{909E8E84-426E-40DD-AFC4-6F175D3DCCD1}">
-              <a14:hiddenFill xmlns:a14="http://schemas.microsoft.com/office/drawing/2010/main">
-                <a:solidFill>
-                  <a:schemeClr val="accent1"/>
-                </a:solidFill>
-              </a14:hiddenFill>
-            </a:ext>
-            <a:ext uri="{91240B29-F687-4F45-9708-019B960494DF}">
-              <a14:hiddenLine xmlns:a14="http://schemas.microsoft.com/office/drawing/2010/main" w="9525">
-                <a:solidFill>
-                  <a:schemeClr val="tx1"/>
-                </a:solidFill>
-                <a:miter lim="800000"/>
-                <a:headEnd/>
-                <a:tailEnd/>
-              </a14:hiddenLine>
-            </a:ext>
-          </a:extLst>
-        </p:spPr>
-      </p:pic>
     </p:spTree>
     <p:extLst>
       <p:ext uri="{BB962C8B-B14F-4D97-AF65-F5344CB8AC3E}">
@@ -1790,62 +1490,32 @@
       </p:sp>
       <p:pic>
         <p:nvPicPr>
-          <p:cNvPr id="7" name="Picture 2">
+          <p:cNvPr id="4" name="Picture 3" descr="A black and red text&#10;&#10;Description automatically generated with low confidence">
             <a:extLst>
               <a:ext uri="{FF2B5EF4-FFF2-40B4-BE49-F238E27FC236}">
-                <a16:creationId xmlns:a16="http://schemas.microsoft.com/office/drawing/2014/main" id="{34297335-7B6F-2845-BD41-C9FA63BC0CB0}"/>
+                <a16:creationId xmlns:a16="http://schemas.microsoft.com/office/drawing/2014/main" id="{E3CB4A44-C0D0-B0FA-47FA-7BABC13B3384}"/>
               </a:ext>
             </a:extLst>
           </p:cNvPr>
           <p:cNvPicPr>
-            <a:picLocks noChangeAspect="1" noChangeArrowheads="1"/>
+            <a:picLocks noChangeAspect="1"/>
           </p:cNvPicPr>
           <p:nvPr userDrawn="1"/>
         </p:nvPicPr>
         <p:blipFill>
-          <a:blip r:embed="rId7">
-            <a:extLst>
-              <a:ext uri="{28A0092B-C50C-407E-A947-70E740481C1C}">
-                <a14:useLocalDpi xmlns:a14="http://schemas.microsoft.com/office/drawing/2010/main" val="0"/>
-              </a:ext>
-            </a:extLst>
-          </a:blip>
-          <a:srcRect/>
+          <a:blip r:embed="rId7"/>
           <a:stretch>
             <a:fillRect/>
           </a:stretch>
         </p:blipFill>
-        <p:spPr bwMode="auto">
+        <p:spPr>
           <a:xfrm>
-            <a:off x="85726" y="6060103"/>
-            <a:ext cx="764091" cy="731957"/>
+            <a:off x="60108" y="6056226"/>
+            <a:ext cx="864804" cy="759734"/>
           </a:xfrm>
           <a:prstGeom prst="rect">
             <a:avLst/>
           </a:prstGeom>
-          <a:noFill/>
-          <a:ln>
-            <a:noFill/>
-          </a:ln>
-          <a:extLst>
-            <a:ext uri="{909E8E84-426E-40DD-AFC4-6F175D3DCCD1}">
-              <a14:hiddenFill xmlns:a14="http://schemas.microsoft.com/office/drawing/2010/main">
-                <a:solidFill>
-                  <a:schemeClr val="accent1"/>
-                </a:solidFill>
-              </a14:hiddenFill>
-            </a:ext>
-            <a:ext uri="{91240B29-F687-4F45-9708-019B960494DF}">
-              <a14:hiddenLine xmlns:a14="http://schemas.microsoft.com/office/drawing/2010/main" w="9525">
-                <a:solidFill>
-                  <a:schemeClr val="tx1"/>
-                </a:solidFill>
-                <a:miter lim="800000"/>
-                <a:headEnd/>
-                <a:tailEnd/>
-              </a14:hiddenLine>
-            </a:ext>
-          </a:extLst>
         </p:spPr>
       </p:pic>
     </p:spTree>
@@ -17903,8 +17573,8 @@
           </a:p>
         </p:txBody>
       </p:sp>
-      <mc:AlternateContent xmlns:mc="http://schemas.openxmlformats.org/markup-compatibility/2006">
-        <mc:Choice xmlns:a14="http://schemas.microsoft.com/office/drawing/2010/main" Requires="a14">
+      <mc:AlternateContent xmlns:mc="http://schemas.openxmlformats.org/markup-compatibility/2006" xmlns:a14="http://schemas.microsoft.com/office/drawing/2010/main">
+        <mc:Choice Requires="a14">
           <p:sp>
             <p:nvSpPr>
               <p:cNvPr id="3" name="Content Placeholder 2">
@@ -18225,7 +17895,7 @@
             </p:txBody>
           </p:sp>
         </mc:Choice>
-        <mc:Fallback>
+        <mc:Fallback xmlns="">
           <p:sp>
             <p:nvSpPr>
               <p:cNvPr id="3" name="Content Placeholder 2">
